--- a/Presentations/20210324_Event/2021_March_Virtual_DevelopersTrack_EDR-API.pptx
+++ b/Presentations/20210324_Event/2021_March_Virtual_DevelopersTrack_EDR-API.pptx
@@ -1641,13 +1641,8 @@
             </a:r>
             <a:r>
               <a:rPr lang="en-GB" dirty="0" smtClean="0"/>
-              <a:t>, Gridded, EO </a:t>
-            </a:r>
-            <a:r>
-              <a:rPr lang="en-GB" dirty="0" smtClean="0"/>
-              <a:t>imagery</a:t>
-            </a:r>
-            <a:endParaRPr lang="en-GB" dirty="0" smtClean="0"/>
+              <a:t>, Gridded, EO imagery</a:t>
+            </a:r>
           </a:p>
         </p:txBody>
       </p:sp>
@@ -12070,29 +12065,7 @@
                 <a:ea typeface="Lato" panose="020F0502020204030203" pitchFamily="34" charset="0"/>
                 <a:cs typeface="Lato" panose="020F0502020204030203" pitchFamily="34" charset="0"/>
               </a:rPr>
-              <a:t>EDR API </a:t>
-            </a:r>
-            <a:r>
-              <a:rPr lang="en-US" sz="3200" b="1" dirty="0" smtClean="0">
-                <a:solidFill>
-                  <a:srgbClr val="002060"/>
-                </a:solidFill>
-                <a:latin typeface="Lato" panose="020F0502020204030203" pitchFamily="34" charset="0"/>
-                <a:ea typeface="Lato" panose="020F0502020204030203" pitchFamily="34" charset="0"/>
-                <a:cs typeface="Lato" panose="020F0502020204030203" pitchFamily="34" charset="0"/>
-              </a:rPr>
-              <a:t>Draft </a:t>
-            </a:r>
-            <a:r>
-              <a:rPr lang="en-US" sz="3200" b="1" dirty="0" smtClean="0">
-                <a:solidFill>
-                  <a:srgbClr val="002060"/>
-                </a:solidFill>
-                <a:latin typeface="Lato" panose="020F0502020204030203" pitchFamily="34" charset="0"/>
-                <a:ea typeface="Lato" panose="020F0502020204030203" pitchFamily="34" charset="0"/>
-                <a:cs typeface="Lato" panose="020F0502020204030203" pitchFamily="34" charset="0"/>
-              </a:rPr>
-              <a:t>Standard</a:t>
+              <a:t>EDR API Draft Standard</a:t>
             </a:r>
           </a:p>
           <a:p>
@@ -14203,7 +14176,7 @@
         </p:spPr>
         <p:txBody>
           <a:bodyPr>
-            <a:normAutofit fontScale="70000" lnSpcReduction="20000"/>
+            <a:normAutofit fontScale="62500" lnSpcReduction="20000"/>
           </a:bodyPr>
           <a:lstStyle/>
           <a:p>
@@ -14212,7 +14185,7 @@
               <a:defRPr/>
             </a:pPr>
             <a:r>
-              <a:rPr lang="en-GB" sz="2900" dirty="0">
+              <a:rPr lang="en-GB" sz="3200" dirty="0">
                 <a:solidFill>
                   <a:schemeClr val="accent1"/>
                 </a:solidFill>
@@ -14220,7 +14193,7 @@
               <a:t>https</a:t>
             </a:r>
             <a:r>
-              <a:rPr lang="en-GB" sz="2900" dirty="0" smtClean="0">
+              <a:rPr lang="en-GB" sz="3200" dirty="0" smtClean="0">
                 <a:solidFill>
                   <a:schemeClr val="accent1"/>
                 </a:solidFill>
@@ -14228,7 +14201,7 @@
               <a:t>://a.domain.or.other </a:t>
             </a:r>
             <a:r>
-              <a:rPr lang="en-GB" sz="2900" dirty="0" smtClean="0">
+              <a:rPr lang="en-GB" sz="3200" dirty="0" smtClean="0">
                 <a:solidFill>
                   <a:srgbClr val="C00000"/>
                 </a:solidFill>
@@ -14236,7 +14209,7 @@
               <a:t>/</a:t>
             </a:r>
             <a:r>
-              <a:rPr lang="en-GB" sz="2900" dirty="0" smtClean="0">
+              <a:rPr lang="en-GB" sz="3200" dirty="0" smtClean="0">
                 <a:solidFill>
                   <a:schemeClr val="accent1"/>
                 </a:solidFill>
@@ -14244,7 +14217,7 @@
               <a:t> collections / {</a:t>
             </a:r>
             <a:r>
-              <a:rPr lang="en-GB" sz="2900" dirty="0" err="1">
+              <a:rPr lang="en-GB" sz="3200" dirty="0" err="1">
                 <a:solidFill>
                   <a:schemeClr val="accent1"/>
                 </a:solidFill>
@@ -14252,7 +14225,7 @@
               <a:t>collectionId</a:t>
             </a:r>
             <a:r>
-              <a:rPr lang="en-GB" sz="2900" dirty="0" smtClean="0">
+              <a:rPr lang="en-GB" sz="3200" dirty="0" smtClean="0">
                 <a:solidFill>
                   <a:schemeClr val="accent1"/>
                 </a:solidFill>
@@ -14260,7 +14233,7 @@
               <a:t>} / </a:t>
             </a:r>
             <a:r>
-              <a:rPr lang="en-GB" sz="2900" dirty="0" smtClean="0">
+              <a:rPr lang="en-GB" sz="3200" dirty="0" smtClean="0">
                 <a:solidFill>
                   <a:srgbClr val="C00000"/>
                 </a:solidFill>
@@ -14268,7 +14241,7 @@
               <a:t>{</a:t>
             </a:r>
             <a:r>
-              <a:rPr lang="en-GB" sz="2900" dirty="0">
+              <a:rPr lang="en-GB" sz="3200" dirty="0">
                 <a:solidFill>
                   <a:srgbClr val="C00000"/>
                 </a:solidFill>
@@ -14276,7 +14249,7 @@
               <a:t>queryType</a:t>
             </a:r>
             <a:r>
-              <a:rPr lang="en-GB" sz="2900" dirty="0" smtClean="0">
+              <a:rPr lang="en-GB" sz="3200" dirty="0" smtClean="0">
                 <a:solidFill>
                   <a:srgbClr val="C00000"/>
                 </a:solidFill>
@@ -14284,7 +14257,7 @@
               <a:t>} </a:t>
             </a:r>
             <a:r>
-              <a:rPr lang="en-US" sz="2900" dirty="0" smtClean="0">
+              <a:rPr lang="en-US" sz="3200" dirty="0" smtClean="0">
                 <a:solidFill>
                   <a:srgbClr val="C00000"/>
                 </a:solidFill>
@@ -14292,7 +14265,7 @@
               <a:t>? </a:t>
             </a:r>
             <a:r>
-              <a:rPr lang="en-US" sz="2900" dirty="0" smtClean="0">
+              <a:rPr lang="en-US" sz="3200" dirty="0" smtClean="0">
                 <a:solidFill>
                   <a:schemeClr val="accent1"/>
                 </a:solidFill>
@@ -14300,7 +14273,7 @@
               <a:t>keyword=value </a:t>
             </a:r>
             <a:r>
-              <a:rPr lang="en-US" sz="2900" dirty="0" smtClean="0">
+              <a:rPr lang="en-US" sz="3200" dirty="0" smtClean="0">
                 <a:solidFill>
                   <a:srgbClr val="C00000"/>
                 </a:solidFill>
@@ -14308,7 +14281,7 @@
               <a:t>&amp;</a:t>
             </a:r>
             <a:r>
-              <a:rPr lang="en-US" sz="2900" dirty="0" smtClean="0">
+              <a:rPr lang="en-US" sz="3200" dirty="0" smtClean="0">
                 <a:solidFill>
                   <a:schemeClr val="accent1"/>
                 </a:solidFill>
@@ -14316,7 +14289,7 @@
               <a:t> keyword=value </a:t>
             </a:r>
             <a:r>
-              <a:rPr lang="en-US" sz="2900" dirty="0" smtClean="0">
+              <a:rPr lang="en-US" sz="3200" dirty="0" smtClean="0">
                 <a:solidFill>
                   <a:srgbClr val="C00000"/>
                 </a:solidFill>
@@ -14324,14 +14297,14 @@
               <a:t>&amp;</a:t>
             </a:r>
             <a:r>
-              <a:rPr lang="en-US" sz="2900" dirty="0" smtClean="0">
+              <a:rPr lang="en-US" sz="3200" dirty="0" smtClean="0">
                 <a:solidFill>
                   <a:schemeClr val="accent1"/>
                 </a:solidFill>
               </a:rPr>
               <a:t>…</a:t>
             </a:r>
-            <a:endParaRPr lang="en-US" sz="2900" dirty="0">
+            <a:endParaRPr lang="en-US" sz="3200" dirty="0">
               <a:solidFill>
                 <a:schemeClr val="accent1"/>
               </a:solidFill>
@@ -14402,7 +14375,14 @@
               <a:rPr lang="en-US" dirty="0" smtClean="0"/>
               <a:t>​</a:t>
             </a:r>
-            <a:endParaRPr lang="en-US" sz="2000" dirty="0"/>
+            <a:r>
+              <a:rPr lang="en-US" dirty="0" smtClean="0">
+                <a:solidFill>
+                  <a:srgbClr val="FF0000"/>
+                </a:solidFill>
+              </a:rPr>
+              <a:t>    </a:t>
+            </a:r>
           </a:p>
           <a:p>
             <a:pPr>
@@ -14420,7 +14400,42 @@
                   <a:srgbClr val="FF0000"/>
                 </a:solidFill>
               </a:rPr>
-              <a:t>Location     &amp;    Instance    &amp;    Item​                            API-Features compatible</a:t>
+              <a:t>Location     </a:t>
+            </a:r>
+            <a:r>
+              <a:rPr lang="en-US" dirty="0">
+                <a:solidFill>
+                  <a:srgbClr val="FF0000"/>
+                </a:solidFill>
+              </a:rPr>
+              <a:t>&amp;    Instance </a:t>
+            </a:r>
+            <a:r>
+              <a:rPr lang="en-US" dirty="0" smtClean="0">
+                <a:solidFill>
+                  <a:srgbClr val="FF0000"/>
+                </a:solidFill>
+              </a:rPr>
+              <a:t>​</a:t>
+            </a:r>
+          </a:p>
+          <a:p>
+            <a:pPr>
+              <a:spcBef>
+                <a:spcPts val="600"/>
+              </a:spcBef>
+              <a:spcAft>
+                <a:spcPts val="0"/>
+              </a:spcAft>
+              <a:defRPr/>
+            </a:pPr>
+            <a:r>
+              <a:rPr lang="en-US" dirty="0">
+                <a:solidFill>
+                  <a:srgbClr val="FF0000"/>
+                </a:solidFill>
+              </a:rPr>
+              <a:t>Item                                                       API-Features compatible</a:t>
             </a:r>
             <a:endParaRPr lang="en-US" sz="1100" dirty="0">
               <a:solidFill>
@@ -14429,11 +14444,13 @@
             </a:endParaRPr>
           </a:p>
           <a:p>
-            <a:pPr marL="0" indent="0">
+            <a:pPr>
+              <a:spcBef>
+                <a:spcPts val="600"/>
+              </a:spcBef>
               <a:spcAft>
                 <a:spcPts val="0"/>
               </a:spcAft>
-              <a:buNone/>
               <a:defRPr/>
             </a:pPr>
             <a:endParaRPr lang="en-GB" sz="1400" dirty="0"/>
@@ -14759,8 +14776,8 @@
         </p:nvSpPr>
         <p:spPr>
           <a:xfrm>
-            <a:off x="5657222" y="1436917"/>
-            <a:ext cx="231112" cy="924446"/>
+            <a:off x="4858436" y="1523999"/>
+            <a:ext cx="231112" cy="704193"/>
           </a:xfrm>
           <a:prstGeom prst="rightBrace">
             <a:avLst/>
@@ -14798,7 +14815,7 @@
         </p:nvSpPr>
         <p:spPr>
           <a:xfrm flipH="1">
-            <a:off x="6152560" y="1684327"/>
+            <a:off x="5481509" y="1649212"/>
             <a:ext cx="3290333" cy="415775"/>
           </a:xfrm>
           <a:prstGeom prst="rect">
@@ -20045,18 +20062,18 @@
 </file>
 
 <file path=customXml/item1.xml><?xml version="1.0" encoding="utf-8"?>
+<p:properties xmlns:p="http://schemas.microsoft.com/office/2006/metadata/properties" xmlns:xsi="http://www.w3.org/2001/XMLSchema-instance" xmlns:pc="http://schemas.microsoft.com/office/infopath/2007/PartnerControls">
+  <documentManagement/>
+</p:properties>
+</file>
+
+<file path=customXml/item2.xml><?xml version="1.0" encoding="utf-8"?>
 <?mso-contentType ?>
 <FormTemplates xmlns="http://schemas.microsoft.com/sharepoint/v3/contenttype/forms">
   <Display>DocumentLibraryForm</Display>
   <Edit>DocumentLibraryForm</Edit>
   <New>DocumentLibraryForm</New>
 </FormTemplates>
-</file>
-
-<file path=customXml/item2.xml><?xml version="1.0" encoding="utf-8"?>
-<p:properties xmlns:p="http://schemas.microsoft.com/office/2006/metadata/properties" xmlns:xsi="http://www.w3.org/2001/XMLSchema-instance" xmlns:pc="http://schemas.microsoft.com/office/infopath/2007/PartnerControls">
-  <documentManagement/>
-</p:properties>
 </file>
 
 <file path=customXml/item3.xml><?xml version="1.0" encoding="utf-8"?>
@@ -20283,26 +20300,26 @@
 </file>
 
 <file path=customXml/itemProps1.xml><?xml version="1.0" encoding="utf-8"?>
-<ds:datastoreItem xmlns:ds="http://schemas.openxmlformats.org/officeDocument/2006/customXml" ds:itemID="{1A25725F-8B82-4501-A816-B42D7BF66B1E}">
+<ds:datastoreItem xmlns:ds="http://schemas.openxmlformats.org/officeDocument/2006/customXml" ds:itemID="{AF94D219-FD1E-4B65-89AC-64C2C8CEFCCB}">
   <ds:schemaRefs>
-    <ds:schemaRef ds:uri="http://schemas.microsoft.com/sharepoint/v3/contenttype/forms"/>
+    <ds:schemaRef ds:uri="http://schemas.microsoft.com/office/infopath/2007/PartnerControls"/>
+    <ds:schemaRef ds:uri="39e328b5-fd55-4aa2-9335-b42da031234f"/>
+    <ds:schemaRef ds:uri="http://purl.org/dc/elements/1.1/"/>
+    <ds:schemaRef ds:uri="http://schemas.microsoft.com/office/2006/metadata/properties"/>
+    <ds:schemaRef ds:uri="http://purl.org/dc/terms/"/>
+    <ds:schemaRef ds:uri="d5f456a8-998e-4615-8aa7-08c9413f4944"/>
+    <ds:schemaRef ds:uri="http://schemas.microsoft.com/office/2006/documentManagement/types"/>
+    <ds:schemaRef ds:uri="http://purl.org/dc/dcmitype/"/>
+    <ds:schemaRef ds:uri="http://schemas.openxmlformats.org/package/2006/metadata/core-properties"/>
+    <ds:schemaRef ds:uri="http://www.w3.org/XML/1998/namespace"/>
   </ds:schemaRefs>
 </ds:datastoreItem>
 </file>
 
 <file path=customXml/itemProps2.xml><?xml version="1.0" encoding="utf-8"?>
-<ds:datastoreItem xmlns:ds="http://schemas.openxmlformats.org/officeDocument/2006/customXml" ds:itemID="{AF94D219-FD1E-4B65-89AC-64C2C8CEFCCB}">
+<ds:datastoreItem xmlns:ds="http://schemas.openxmlformats.org/officeDocument/2006/customXml" ds:itemID="{1A25725F-8B82-4501-A816-B42D7BF66B1E}">
   <ds:schemaRefs>
-    <ds:schemaRef ds:uri="39e328b5-fd55-4aa2-9335-b42da031234f"/>
-    <ds:schemaRef ds:uri="http://schemas.microsoft.com/office/2006/documentManagement/types"/>
-    <ds:schemaRef ds:uri="http://purl.org/dc/elements/1.1/"/>
-    <ds:schemaRef ds:uri="http://schemas.microsoft.com/office/2006/metadata/properties"/>
-    <ds:schemaRef ds:uri="http://purl.org/dc/terms/"/>
-    <ds:schemaRef ds:uri="d5f456a8-998e-4615-8aa7-08c9413f4944"/>
-    <ds:schemaRef ds:uri="http://purl.org/dc/dcmitype/"/>
-    <ds:schemaRef ds:uri="http://schemas.microsoft.com/office/infopath/2007/PartnerControls"/>
-    <ds:schemaRef ds:uri="http://schemas.openxmlformats.org/package/2006/metadata/core-properties"/>
-    <ds:schemaRef ds:uri="http://www.w3.org/XML/1998/namespace"/>
+    <ds:schemaRef ds:uri="http://schemas.microsoft.com/sharepoint/v3/contenttype/forms"/>
   </ds:schemaRefs>
 </ds:datastoreItem>
 </file>
